--- a/src/templates/original.pptx
+++ b/src/templates/original.pptx
@@ -1,12 +1,12 @@
 
 <file path=ppt/presentation.xml><?xml version="1.0" encoding="utf-8"?>
-<p:presentation xmlns:a="http://schemas.openxmlformats.org/drawingml/2006/main" xmlns:r="http://schemas.openxmlformats.org/officeDocument/2006/relationships" xmlns:p="http://schemas.openxmlformats.org/presentationml/2006/main" saveSubsetFonts="1">
+<p:presentation xmlns:a="http://schemas.openxmlformats.org/drawingml/2006/main" xmlns:r="http://schemas.openxmlformats.org/officeDocument/2006/relationships" xmlns:p="http://schemas.openxmlformats.org/presentationml/2006/main">
   <p:sldMasterIdLst>
-    <p:sldMasterId id="2147483660" r:id="rId1"/>
+    <p:sldMasterId id="2147483648" r:id="rId1"/>
   </p:sldMasterIdLst>
   <p:sldIdLst>
-    <p:sldId id="256" r:id="rId2"/>
-    <p:sldId id="257" r:id="rId3"/>
+    <p:sldId id="256" r:id="rId3"/>
+    <p:sldId id="257" r:id="rId4"/>
   </p:sldIdLst>
   <p:sldSz cx="9144000" cy="6858000" type="screen4x3"/>
   <p:notesSz cx="6858000" cy="9144000"/>
@@ -105,11 +105,6 @@
       </a:defRPr>
     </a:lvl9pPr>
   </p:defaultTextStyle>
-  <p:extLst>
-    <p:ext uri="{EFAFB233-063F-42B5-8137-9DF3F51BA10A}">
-      <p15:sldGuideLst xmlns:p15="http://schemas.microsoft.com/office/powerpoint/2012/main"/>
-    </p:ext>
-  </p:extLst>
 </p:presentation>
 </file>
 
@@ -244,7 +239,6 @@
           <a:p>
             <a:fld id="{B3DEDF6B-00FF-4F12-A4EC-51079F0F06DC}" type="datetimeFigureOut">
               <a:rPr lang="es-MX" smtClean="0"/>
-              <a:t>16/11/21</a:t>
             </a:fld>
             <a:endParaRPr lang="es-MX"/>
           </a:p>
@@ -286,18 +280,12 @@
           <a:p>
             <a:fld id="{9E46E11A-FB4E-445C-A377-99C7A75F3DB7}" type="slidenum">
               <a:rPr lang="es-MX" smtClean="0"/>
-              <a:t>‹Nº›</a:t>
             </a:fld>
             <a:endParaRPr lang="es-MX"/>
           </a:p>
         </p:txBody>
       </p:sp>
     </p:spTree>
-    <p:extLst>
-      <p:ext uri="{BB962C8B-B14F-4D97-AF65-F5344CB8AC3E}">
-        <p14:creationId xmlns:p14="http://schemas.microsoft.com/office/powerpoint/2010/main" val="3726181437"/>
-      </p:ext>
-    </p:extLst>
   </p:cSld>
   <p:clrMapOvr>
     <a:masterClrMapping/>
@@ -365,6 +353,7 @@
               <a:rPr lang="es-ES"/>
               <a:t>Editar el estilo de texto del patrón</a:t>
             </a:r>
+            <a:endParaRPr lang="es-ES"/>
           </a:p>
           <a:p>
             <a:pPr lvl="1"/>
@@ -372,6 +361,7 @@
               <a:rPr lang="es-ES"/>
               <a:t>Segundo nivel</a:t>
             </a:r>
+            <a:endParaRPr lang="es-ES"/>
           </a:p>
           <a:p>
             <a:pPr lvl="2"/>
@@ -379,6 +369,7 @@
               <a:rPr lang="es-ES"/>
               <a:t>Tercer nivel</a:t>
             </a:r>
+            <a:endParaRPr lang="es-ES"/>
           </a:p>
           <a:p>
             <a:pPr lvl="3"/>
@@ -386,6 +377,7 @@
               <a:rPr lang="es-ES"/>
               <a:t>Cuarto nivel</a:t>
             </a:r>
+            <a:endParaRPr lang="es-ES"/>
           </a:p>
           <a:p>
             <a:pPr lvl="4"/>
@@ -414,7 +406,6 @@
           <a:p>
             <a:fld id="{B3DEDF6B-00FF-4F12-A4EC-51079F0F06DC}" type="datetimeFigureOut">
               <a:rPr lang="es-MX" smtClean="0"/>
-              <a:t>16/11/21</a:t>
             </a:fld>
             <a:endParaRPr lang="es-MX"/>
           </a:p>
@@ -456,18 +447,12 @@
           <a:p>
             <a:fld id="{9E46E11A-FB4E-445C-A377-99C7A75F3DB7}" type="slidenum">
               <a:rPr lang="es-MX" smtClean="0"/>
-              <a:t>‹Nº›</a:t>
             </a:fld>
             <a:endParaRPr lang="es-MX"/>
           </a:p>
         </p:txBody>
       </p:sp>
     </p:spTree>
-    <p:extLst>
-      <p:ext uri="{BB962C8B-B14F-4D97-AF65-F5344CB8AC3E}">
-        <p14:creationId xmlns:p14="http://schemas.microsoft.com/office/powerpoint/2010/main" val="1882496551"/>
-      </p:ext>
-    </p:extLst>
   </p:cSld>
   <p:clrMapOvr>
     <a:masterClrMapping/>
@@ -545,6 +530,7 @@
               <a:rPr lang="es-ES"/>
               <a:t>Editar el estilo de texto del patrón</a:t>
             </a:r>
+            <a:endParaRPr lang="es-ES"/>
           </a:p>
           <a:p>
             <a:pPr lvl="1"/>
@@ -552,6 +538,7 @@
               <a:rPr lang="es-ES"/>
               <a:t>Segundo nivel</a:t>
             </a:r>
+            <a:endParaRPr lang="es-ES"/>
           </a:p>
           <a:p>
             <a:pPr lvl="2"/>
@@ -559,6 +546,7 @@
               <a:rPr lang="es-ES"/>
               <a:t>Tercer nivel</a:t>
             </a:r>
+            <a:endParaRPr lang="es-ES"/>
           </a:p>
           <a:p>
             <a:pPr lvl="3"/>
@@ -566,6 +554,7 @@
               <a:rPr lang="es-ES"/>
               <a:t>Cuarto nivel</a:t>
             </a:r>
+            <a:endParaRPr lang="es-ES"/>
           </a:p>
           <a:p>
             <a:pPr lvl="4"/>
@@ -594,7 +583,6 @@
           <a:p>
             <a:fld id="{B3DEDF6B-00FF-4F12-A4EC-51079F0F06DC}" type="datetimeFigureOut">
               <a:rPr lang="es-MX" smtClean="0"/>
-              <a:t>16/11/21</a:t>
             </a:fld>
             <a:endParaRPr lang="es-MX"/>
           </a:p>
@@ -636,18 +624,12 @@
           <a:p>
             <a:fld id="{9E46E11A-FB4E-445C-A377-99C7A75F3DB7}" type="slidenum">
               <a:rPr lang="es-MX" smtClean="0"/>
-              <a:t>‹Nº›</a:t>
             </a:fld>
             <a:endParaRPr lang="es-MX"/>
           </a:p>
         </p:txBody>
       </p:sp>
     </p:spTree>
-    <p:extLst>
-      <p:ext uri="{BB962C8B-B14F-4D97-AF65-F5344CB8AC3E}">
-        <p14:creationId xmlns:p14="http://schemas.microsoft.com/office/powerpoint/2010/main" val="524445417"/>
-      </p:ext>
-    </p:extLst>
   </p:cSld>
   <p:clrMapOvr>
     <a:masterClrMapping/>
@@ -715,6 +697,7 @@
               <a:rPr lang="es-ES"/>
               <a:t>Editar el estilo de texto del patrón</a:t>
             </a:r>
+            <a:endParaRPr lang="es-ES"/>
           </a:p>
           <a:p>
             <a:pPr lvl="1"/>
@@ -722,6 +705,7 @@
               <a:rPr lang="es-ES"/>
               <a:t>Segundo nivel</a:t>
             </a:r>
+            <a:endParaRPr lang="es-ES"/>
           </a:p>
           <a:p>
             <a:pPr lvl="2"/>
@@ -729,6 +713,7 @@
               <a:rPr lang="es-ES"/>
               <a:t>Tercer nivel</a:t>
             </a:r>
+            <a:endParaRPr lang="es-ES"/>
           </a:p>
           <a:p>
             <a:pPr lvl="3"/>
@@ -736,6 +721,7 @@
               <a:rPr lang="es-ES"/>
               <a:t>Cuarto nivel</a:t>
             </a:r>
+            <a:endParaRPr lang="es-ES"/>
           </a:p>
           <a:p>
             <a:pPr lvl="4"/>
@@ -764,7 +750,6 @@
           <a:p>
             <a:fld id="{B3DEDF6B-00FF-4F12-A4EC-51079F0F06DC}" type="datetimeFigureOut">
               <a:rPr lang="es-MX" smtClean="0"/>
-              <a:t>16/11/21</a:t>
             </a:fld>
             <a:endParaRPr lang="es-MX"/>
           </a:p>
@@ -806,18 +791,12 @@
           <a:p>
             <a:fld id="{9E46E11A-FB4E-445C-A377-99C7A75F3DB7}" type="slidenum">
               <a:rPr lang="es-MX" smtClean="0"/>
-              <a:t>‹Nº›</a:t>
             </a:fld>
             <a:endParaRPr lang="es-MX"/>
           </a:p>
         </p:txBody>
       </p:sp>
     </p:spTree>
-    <p:extLst>
-      <p:ext uri="{BB962C8B-B14F-4D97-AF65-F5344CB8AC3E}">
-        <p14:creationId xmlns:p14="http://schemas.microsoft.com/office/powerpoint/2010/main" val="3859514538"/>
-      </p:ext>
-    </p:extLst>
   </p:cSld>
   <p:clrMapOvr>
     <a:masterClrMapping/>
@@ -988,6 +967,7 @@
               <a:rPr lang="es-ES"/>
               <a:t>Editar el estilo de texto del patrón</a:t>
             </a:r>
+            <a:endParaRPr lang="es-ES"/>
           </a:p>
         </p:txBody>
       </p:sp>
@@ -1008,7 +988,6 @@
           <a:p>
             <a:fld id="{B3DEDF6B-00FF-4F12-A4EC-51079F0F06DC}" type="datetimeFigureOut">
               <a:rPr lang="es-MX" smtClean="0"/>
-              <a:t>16/11/21</a:t>
             </a:fld>
             <a:endParaRPr lang="es-MX"/>
           </a:p>
@@ -1050,18 +1029,12 @@
           <a:p>
             <a:fld id="{9E46E11A-FB4E-445C-A377-99C7A75F3DB7}" type="slidenum">
               <a:rPr lang="es-MX" smtClean="0"/>
-              <a:t>‹Nº›</a:t>
             </a:fld>
             <a:endParaRPr lang="es-MX"/>
           </a:p>
         </p:txBody>
       </p:sp>
     </p:spTree>
-    <p:extLst>
-      <p:ext uri="{BB962C8B-B14F-4D97-AF65-F5344CB8AC3E}">
-        <p14:creationId xmlns:p14="http://schemas.microsoft.com/office/powerpoint/2010/main" val="3709330871"/>
-      </p:ext>
-    </p:extLst>
   </p:cSld>
   <p:clrMapOvr>
     <a:masterClrMapping/>
@@ -1134,6 +1107,7 @@
               <a:rPr lang="es-ES"/>
               <a:t>Editar el estilo de texto del patrón</a:t>
             </a:r>
+            <a:endParaRPr lang="es-ES"/>
           </a:p>
           <a:p>
             <a:pPr lvl="1"/>
@@ -1141,6 +1115,7 @@
               <a:rPr lang="es-ES"/>
               <a:t>Segundo nivel</a:t>
             </a:r>
+            <a:endParaRPr lang="es-ES"/>
           </a:p>
           <a:p>
             <a:pPr lvl="2"/>
@@ -1148,6 +1123,7 @@
               <a:rPr lang="es-ES"/>
               <a:t>Tercer nivel</a:t>
             </a:r>
+            <a:endParaRPr lang="es-ES"/>
           </a:p>
           <a:p>
             <a:pPr lvl="3"/>
@@ -1155,6 +1131,7 @@
               <a:rPr lang="es-ES"/>
               <a:t>Cuarto nivel</a:t>
             </a:r>
+            <a:endParaRPr lang="es-ES"/>
           </a:p>
           <a:p>
             <a:pPr lvl="4"/>
@@ -1191,6 +1168,7 @@
               <a:rPr lang="es-ES"/>
               <a:t>Editar el estilo de texto del patrón</a:t>
             </a:r>
+            <a:endParaRPr lang="es-ES"/>
           </a:p>
           <a:p>
             <a:pPr lvl="1"/>
@@ -1198,6 +1176,7 @@
               <a:rPr lang="es-ES"/>
               <a:t>Segundo nivel</a:t>
             </a:r>
+            <a:endParaRPr lang="es-ES"/>
           </a:p>
           <a:p>
             <a:pPr lvl="2"/>
@@ -1205,6 +1184,7 @@
               <a:rPr lang="es-ES"/>
               <a:t>Tercer nivel</a:t>
             </a:r>
+            <a:endParaRPr lang="es-ES"/>
           </a:p>
           <a:p>
             <a:pPr lvl="3"/>
@@ -1212,6 +1192,7 @@
               <a:rPr lang="es-ES"/>
               <a:t>Cuarto nivel</a:t>
             </a:r>
+            <a:endParaRPr lang="es-ES"/>
           </a:p>
           <a:p>
             <a:pPr lvl="4"/>
@@ -1240,7 +1221,6 @@
           <a:p>
             <a:fld id="{B3DEDF6B-00FF-4F12-A4EC-51079F0F06DC}" type="datetimeFigureOut">
               <a:rPr lang="es-MX" smtClean="0"/>
-              <a:t>16/11/21</a:t>
             </a:fld>
             <a:endParaRPr lang="es-MX"/>
           </a:p>
@@ -1282,18 +1262,12 @@
           <a:p>
             <a:fld id="{9E46E11A-FB4E-445C-A377-99C7A75F3DB7}" type="slidenum">
               <a:rPr lang="es-MX" smtClean="0"/>
-              <a:t>‹Nº›</a:t>
             </a:fld>
             <a:endParaRPr lang="es-MX"/>
           </a:p>
         </p:txBody>
       </p:sp>
     </p:spTree>
-    <p:extLst>
-      <p:ext uri="{BB962C8B-B14F-4D97-AF65-F5344CB8AC3E}">
-        <p14:creationId xmlns:p14="http://schemas.microsoft.com/office/powerpoint/2010/main" val="2922025950"/>
-      </p:ext>
-    </p:extLst>
   </p:cSld>
   <p:clrMapOvr>
     <a:masterClrMapping/>
@@ -1408,6 +1382,7 @@
               <a:rPr lang="es-ES"/>
               <a:t>Editar el estilo de texto del patrón</a:t>
             </a:r>
+            <a:endParaRPr lang="es-ES"/>
           </a:p>
         </p:txBody>
       </p:sp>
@@ -1436,6 +1411,7 @@
               <a:rPr lang="es-ES"/>
               <a:t>Editar el estilo de texto del patrón</a:t>
             </a:r>
+            <a:endParaRPr lang="es-ES"/>
           </a:p>
           <a:p>
             <a:pPr lvl="1"/>
@@ -1443,6 +1419,7 @@
               <a:rPr lang="es-ES"/>
               <a:t>Segundo nivel</a:t>
             </a:r>
+            <a:endParaRPr lang="es-ES"/>
           </a:p>
           <a:p>
             <a:pPr lvl="2"/>
@@ -1450,6 +1427,7 @@
               <a:rPr lang="es-ES"/>
               <a:t>Tercer nivel</a:t>
             </a:r>
+            <a:endParaRPr lang="es-ES"/>
           </a:p>
           <a:p>
             <a:pPr lvl="3"/>
@@ -1457,6 +1435,7 @@
               <a:rPr lang="es-ES"/>
               <a:t>Cuarto nivel</a:t>
             </a:r>
+            <a:endParaRPr lang="es-ES"/>
           </a:p>
           <a:p>
             <a:pPr lvl="4"/>
@@ -1530,6 +1509,7 @@
               <a:rPr lang="es-ES"/>
               <a:t>Editar el estilo de texto del patrón</a:t>
             </a:r>
+            <a:endParaRPr lang="es-ES"/>
           </a:p>
         </p:txBody>
       </p:sp>
@@ -1558,6 +1538,7 @@
               <a:rPr lang="es-ES"/>
               <a:t>Editar el estilo de texto del patrón</a:t>
             </a:r>
+            <a:endParaRPr lang="es-ES"/>
           </a:p>
           <a:p>
             <a:pPr lvl="1"/>
@@ -1565,6 +1546,7 @@
               <a:rPr lang="es-ES"/>
               <a:t>Segundo nivel</a:t>
             </a:r>
+            <a:endParaRPr lang="es-ES"/>
           </a:p>
           <a:p>
             <a:pPr lvl="2"/>
@@ -1572,6 +1554,7 @@
               <a:rPr lang="es-ES"/>
               <a:t>Tercer nivel</a:t>
             </a:r>
+            <a:endParaRPr lang="es-ES"/>
           </a:p>
           <a:p>
             <a:pPr lvl="3"/>
@@ -1579,6 +1562,7 @@
               <a:rPr lang="es-ES"/>
               <a:t>Cuarto nivel</a:t>
             </a:r>
+            <a:endParaRPr lang="es-ES"/>
           </a:p>
           <a:p>
             <a:pPr lvl="4"/>
@@ -1607,7 +1591,6 @@
           <a:p>
             <a:fld id="{B3DEDF6B-00FF-4F12-A4EC-51079F0F06DC}" type="datetimeFigureOut">
               <a:rPr lang="es-MX" smtClean="0"/>
-              <a:t>16/11/21</a:t>
             </a:fld>
             <a:endParaRPr lang="es-MX"/>
           </a:p>
@@ -1649,18 +1632,12 @@
           <a:p>
             <a:fld id="{9E46E11A-FB4E-445C-A377-99C7A75F3DB7}" type="slidenum">
               <a:rPr lang="es-MX" smtClean="0"/>
-              <a:t>‹Nº›</a:t>
             </a:fld>
             <a:endParaRPr lang="es-MX"/>
           </a:p>
         </p:txBody>
       </p:sp>
     </p:spTree>
-    <p:extLst>
-      <p:ext uri="{BB962C8B-B14F-4D97-AF65-F5344CB8AC3E}">
-        <p14:creationId xmlns:p14="http://schemas.microsoft.com/office/powerpoint/2010/main" val="204428837"/>
-      </p:ext>
-    </p:extLst>
   </p:cSld>
   <p:clrMapOvr>
     <a:masterClrMapping/>
@@ -1725,7 +1702,6 @@
           <a:p>
             <a:fld id="{B3DEDF6B-00FF-4F12-A4EC-51079F0F06DC}" type="datetimeFigureOut">
               <a:rPr lang="es-MX" smtClean="0"/>
-              <a:t>16/11/21</a:t>
             </a:fld>
             <a:endParaRPr lang="es-MX"/>
           </a:p>
@@ -1767,18 +1743,12 @@
           <a:p>
             <a:fld id="{9E46E11A-FB4E-445C-A377-99C7A75F3DB7}" type="slidenum">
               <a:rPr lang="es-MX" smtClean="0"/>
-              <a:t>‹Nº›</a:t>
             </a:fld>
             <a:endParaRPr lang="es-MX"/>
           </a:p>
         </p:txBody>
       </p:sp>
     </p:spTree>
-    <p:extLst>
-      <p:ext uri="{BB962C8B-B14F-4D97-AF65-F5344CB8AC3E}">
-        <p14:creationId xmlns:p14="http://schemas.microsoft.com/office/powerpoint/2010/main" val="1916849054"/>
-      </p:ext>
-    </p:extLst>
   </p:cSld>
   <p:clrMapOvr>
     <a:masterClrMapping/>
@@ -1820,7 +1790,6 @@
           <a:p>
             <a:fld id="{B3DEDF6B-00FF-4F12-A4EC-51079F0F06DC}" type="datetimeFigureOut">
               <a:rPr lang="es-MX" smtClean="0"/>
-              <a:t>16/11/21</a:t>
             </a:fld>
             <a:endParaRPr lang="es-MX"/>
           </a:p>
@@ -1862,18 +1831,12 @@
           <a:p>
             <a:fld id="{9E46E11A-FB4E-445C-A377-99C7A75F3DB7}" type="slidenum">
               <a:rPr lang="es-MX" smtClean="0"/>
-              <a:t>‹Nº›</a:t>
             </a:fld>
             <a:endParaRPr lang="es-MX"/>
           </a:p>
         </p:txBody>
       </p:sp>
     </p:spTree>
-    <p:extLst>
-      <p:ext uri="{BB962C8B-B14F-4D97-AF65-F5344CB8AC3E}">
-        <p14:creationId xmlns:p14="http://schemas.microsoft.com/office/powerpoint/2010/main" val="1433619390"/>
-      </p:ext>
-    </p:extLst>
   </p:cSld>
   <p:clrMapOvr>
     <a:masterClrMapping/>
@@ -1983,6 +1946,7 @@
               <a:rPr lang="es-ES"/>
               <a:t>Editar el estilo de texto del patrón</a:t>
             </a:r>
+            <a:endParaRPr lang="es-ES"/>
           </a:p>
           <a:p>
             <a:pPr lvl="1"/>
@@ -1990,6 +1954,7 @@
               <a:rPr lang="es-ES"/>
               <a:t>Segundo nivel</a:t>
             </a:r>
+            <a:endParaRPr lang="es-ES"/>
           </a:p>
           <a:p>
             <a:pPr lvl="2"/>
@@ -1997,6 +1962,7 @@
               <a:rPr lang="es-ES"/>
               <a:t>Tercer nivel</a:t>
             </a:r>
+            <a:endParaRPr lang="es-ES"/>
           </a:p>
           <a:p>
             <a:pPr lvl="3"/>
@@ -2004,6 +1970,7 @@
               <a:rPr lang="es-ES"/>
               <a:t>Cuarto nivel</a:t>
             </a:r>
+            <a:endParaRPr lang="es-ES"/>
           </a:p>
           <a:p>
             <a:pPr lvl="4"/>
@@ -2077,6 +2044,7 @@
               <a:rPr lang="es-ES"/>
               <a:t>Editar el estilo de texto del patrón</a:t>
             </a:r>
+            <a:endParaRPr lang="es-ES"/>
           </a:p>
         </p:txBody>
       </p:sp>
@@ -2097,7 +2065,6 @@
           <a:p>
             <a:fld id="{B3DEDF6B-00FF-4F12-A4EC-51079F0F06DC}" type="datetimeFigureOut">
               <a:rPr lang="es-MX" smtClean="0"/>
-              <a:t>16/11/21</a:t>
             </a:fld>
             <a:endParaRPr lang="es-MX"/>
           </a:p>
@@ -2139,18 +2106,12 @@
           <a:p>
             <a:fld id="{9E46E11A-FB4E-445C-A377-99C7A75F3DB7}" type="slidenum">
               <a:rPr lang="es-MX" smtClean="0"/>
-              <a:t>‹Nº›</a:t>
             </a:fld>
             <a:endParaRPr lang="es-MX"/>
           </a:p>
         </p:txBody>
       </p:sp>
     </p:spTree>
-    <p:extLst>
-      <p:ext uri="{BB962C8B-B14F-4D97-AF65-F5344CB8AC3E}">
-        <p14:creationId xmlns:p14="http://schemas.microsoft.com/office/powerpoint/2010/main" val="2004110788"/>
-      </p:ext>
-    </p:extLst>
   </p:cSld>
   <p:clrMapOvr>
     <a:masterClrMapping/>
@@ -2334,6 +2295,7 @@
               <a:rPr lang="es-ES"/>
               <a:t>Editar el estilo de texto del patrón</a:t>
             </a:r>
+            <a:endParaRPr lang="es-ES"/>
           </a:p>
         </p:txBody>
       </p:sp>
@@ -2354,7 +2316,6 @@
           <a:p>
             <a:fld id="{B3DEDF6B-00FF-4F12-A4EC-51079F0F06DC}" type="datetimeFigureOut">
               <a:rPr lang="es-MX" smtClean="0"/>
-              <a:t>16/11/21</a:t>
             </a:fld>
             <a:endParaRPr lang="es-MX"/>
           </a:p>
@@ -2396,18 +2357,12 @@
           <a:p>
             <a:fld id="{9E46E11A-FB4E-445C-A377-99C7A75F3DB7}" type="slidenum">
               <a:rPr lang="es-MX" smtClean="0"/>
-              <a:t>‹Nº›</a:t>
             </a:fld>
             <a:endParaRPr lang="es-MX"/>
           </a:p>
         </p:txBody>
       </p:sp>
     </p:spTree>
-    <p:extLst>
-      <p:ext uri="{BB962C8B-B14F-4D97-AF65-F5344CB8AC3E}">
-        <p14:creationId xmlns:p14="http://schemas.microsoft.com/office/powerpoint/2010/main" val="1947688734"/>
-      </p:ext>
-    </p:extLst>
   </p:cSld>
   <p:clrMapOvr>
     <a:masterClrMapping/>
@@ -2421,7 +2376,7 @@
     <p:bg>
       <p:bgPr>
         <a:blipFill dpi="0" rotWithShape="1">
-          <a:blip r:embed="rId13">
+          <a:blip r:embed="rId12">
             <a:lum/>
           </a:blip>
           <a:srcRect/>
@@ -2509,6 +2464,7 @@
               <a:rPr lang="es-ES"/>
               <a:t>Editar el estilo de texto del patrón</a:t>
             </a:r>
+            <a:endParaRPr lang="es-ES"/>
           </a:p>
           <a:p>
             <a:pPr lvl="1"/>
@@ -2516,6 +2472,7 @@
               <a:rPr lang="es-ES"/>
               <a:t>Segundo nivel</a:t>
             </a:r>
+            <a:endParaRPr lang="es-ES"/>
           </a:p>
           <a:p>
             <a:pPr lvl="2"/>
@@ -2523,6 +2480,7 @@
               <a:rPr lang="es-ES"/>
               <a:t>Tercer nivel</a:t>
             </a:r>
+            <a:endParaRPr lang="es-ES"/>
           </a:p>
           <a:p>
             <a:pPr lvl="3"/>
@@ -2530,6 +2488,7 @@
               <a:rPr lang="es-ES"/>
               <a:t>Cuarto nivel</a:t>
             </a:r>
+            <a:endParaRPr lang="es-ES"/>
           </a:p>
           <a:p>
             <a:pPr lvl="4"/>
@@ -2576,7 +2535,6 @@
           <a:p>
             <a:fld id="{B3DEDF6B-00FF-4F12-A4EC-51079F0F06DC}" type="datetimeFigureOut">
               <a:rPr lang="es-MX" smtClean="0"/>
-              <a:t>16/11/21</a:t>
             </a:fld>
             <a:endParaRPr lang="es-MX"/>
           </a:p>
@@ -2654,32 +2612,26 @@
           <a:p>
             <a:fld id="{9E46E11A-FB4E-445C-A377-99C7A75F3DB7}" type="slidenum">
               <a:rPr lang="es-MX" smtClean="0"/>
-              <a:t>‹Nº›</a:t>
             </a:fld>
             <a:endParaRPr lang="es-MX"/>
           </a:p>
         </p:txBody>
       </p:sp>
     </p:spTree>
-    <p:extLst>
-      <p:ext uri="{BB962C8B-B14F-4D97-AF65-F5344CB8AC3E}">
-        <p14:creationId xmlns:p14="http://schemas.microsoft.com/office/powerpoint/2010/main" val="35209836"/>
-      </p:ext>
-    </p:extLst>
   </p:cSld>
   <p:clrMap bg1="lt1" tx1="dk1" bg2="lt2" tx2="dk2" accent1="accent1" accent2="accent2" accent3="accent3" accent4="accent4" accent5="accent5" accent6="accent6" hlink="hlink" folHlink="folHlink"/>
   <p:sldLayoutIdLst>
-    <p:sldLayoutId id="2147483661" r:id="rId1"/>
-    <p:sldLayoutId id="2147483662" r:id="rId2"/>
-    <p:sldLayoutId id="2147483663" r:id="rId3"/>
-    <p:sldLayoutId id="2147483664" r:id="rId4"/>
-    <p:sldLayoutId id="2147483665" r:id="rId5"/>
-    <p:sldLayoutId id="2147483666" r:id="rId6"/>
-    <p:sldLayoutId id="2147483667" r:id="rId7"/>
-    <p:sldLayoutId id="2147483668" r:id="rId8"/>
-    <p:sldLayoutId id="2147483669" r:id="rId9"/>
-    <p:sldLayoutId id="2147483670" r:id="rId10"/>
-    <p:sldLayoutId id="2147483671" r:id="rId11"/>
+    <p:sldLayoutId id="2147483649" r:id="rId1"/>
+    <p:sldLayoutId id="2147483650" r:id="rId2"/>
+    <p:sldLayoutId id="2147483651" r:id="rId3"/>
+    <p:sldLayoutId id="2147483652" r:id="rId4"/>
+    <p:sldLayoutId id="2147483653" r:id="rId5"/>
+    <p:sldLayoutId id="2147483654" r:id="rId6"/>
+    <p:sldLayoutId id="2147483655" r:id="rId7"/>
+    <p:sldLayoutId id="2147483656" r:id="rId8"/>
+    <p:sldLayoutId id="2147483657" r:id="rId9"/>
+    <p:sldLayoutId id="2147483658" r:id="rId10"/>
+    <p:sldLayoutId id="2147483659" r:id="rId11"/>
   </p:sldLayoutIdLst>
   <p:txStyles>
     <p:titleStyle>
@@ -2709,7 +2661,7 @@
         <a:spcBef>
           <a:spcPts val="1000"/>
         </a:spcBef>
-        <a:buFont typeface="Arial" panose="020B0604020202020204" pitchFamily="34" charset="0"/>
+        <a:buFont typeface="Arial" panose="020B0604020202090204" pitchFamily="34" charset="0"/>
         <a:buChar char="•"/>
         <a:defRPr sz="2800" kern="1200">
           <a:solidFill>
@@ -2727,7 +2679,7 @@
         <a:spcBef>
           <a:spcPts val="500"/>
         </a:spcBef>
-        <a:buFont typeface="Arial" panose="020B0604020202020204" pitchFamily="34" charset="0"/>
+        <a:buFont typeface="Arial" panose="020B0604020202090204" pitchFamily="34" charset="0"/>
         <a:buChar char="•"/>
         <a:defRPr sz="2400" kern="1200">
           <a:solidFill>
@@ -2745,7 +2697,7 @@
         <a:spcBef>
           <a:spcPts val="500"/>
         </a:spcBef>
-        <a:buFont typeface="Arial" panose="020B0604020202020204" pitchFamily="34" charset="0"/>
+        <a:buFont typeface="Arial" panose="020B0604020202090204" pitchFamily="34" charset="0"/>
         <a:buChar char="•"/>
         <a:defRPr sz="2000" kern="1200">
           <a:solidFill>
@@ -2763,7 +2715,7 @@
         <a:spcBef>
           <a:spcPts val="500"/>
         </a:spcBef>
-        <a:buFont typeface="Arial" panose="020B0604020202020204" pitchFamily="34" charset="0"/>
+        <a:buFont typeface="Arial" panose="020B0604020202090204" pitchFamily="34" charset="0"/>
         <a:buChar char="•"/>
         <a:defRPr sz="1800" kern="1200">
           <a:solidFill>
@@ -2781,7 +2733,7 @@
         <a:spcBef>
           <a:spcPts val="500"/>
         </a:spcBef>
-        <a:buFont typeface="Arial" panose="020B0604020202020204" pitchFamily="34" charset="0"/>
+        <a:buFont typeface="Arial" panose="020B0604020202090204" pitchFamily="34" charset="0"/>
         <a:buChar char="•"/>
         <a:defRPr sz="1800" kern="1200">
           <a:solidFill>
@@ -2799,7 +2751,7 @@
         <a:spcBef>
           <a:spcPts val="500"/>
         </a:spcBef>
-        <a:buFont typeface="Arial" panose="020B0604020202020204" pitchFamily="34" charset="0"/>
+        <a:buFont typeface="Arial" panose="020B0604020202090204" pitchFamily="34" charset="0"/>
         <a:buChar char="•"/>
         <a:defRPr sz="1800" kern="1200">
           <a:solidFill>
@@ -2817,7 +2769,7 @@
         <a:spcBef>
           <a:spcPts val="500"/>
         </a:spcBef>
-        <a:buFont typeface="Arial" panose="020B0604020202020204" pitchFamily="34" charset="0"/>
+        <a:buFont typeface="Arial" panose="020B0604020202090204" pitchFamily="34" charset="0"/>
         <a:buChar char="•"/>
         <a:defRPr sz="1800" kern="1200">
           <a:solidFill>
@@ -2835,7 +2787,7 @@
         <a:spcBef>
           <a:spcPts val="500"/>
         </a:spcBef>
-        <a:buFont typeface="Arial" panose="020B0604020202020204" pitchFamily="34" charset="0"/>
+        <a:buFont typeface="Arial" panose="020B0604020202090204" pitchFamily="34" charset="0"/>
         <a:buChar char="•"/>
         <a:defRPr sz="1800" kern="1200">
           <a:solidFill>
@@ -2853,7 +2805,7 @@
         <a:spcBef>
           <a:spcPts val="500"/>
         </a:spcBef>
-        <a:buFont typeface="Arial" panose="020B0604020202020204" pitchFamily="34" charset="0"/>
+        <a:buFont typeface="Arial" panose="020B0604020202090204" pitchFamily="34" charset="0"/>
         <a:buChar char="•"/>
         <a:defRPr sz="1800" kern="1200">
           <a:solidFill>
@@ -3025,6 +2977,11 @@
                 </a:rPr>
                 <a:t>OTORGAN EL PRESENTE</a:t>
               </a:r>
+              <a:endParaRPr lang="es-MX" sz="2000" b="1" dirty="0">
+                <a:latin typeface="Segoe UI Historic" panose="020B0502040204020203" pitchFamily="34" charset="0"/>
+                <a:ea typeface="Segoe UI Historic" panose="020B0502040204020203" pitchFamily="34" charset="0"/>
+                <a:cs typeface="Segoe UI Historic" panose="020B0502040204020203" pitchFamily="34" charset="0"/>
+              </a:endParaRPr>
             </a:p>
           </p:txBody>
         </p:sp>
@@ -3054,6 +3011,7 @@
                 <a:rPr lang="es-MX" sz="2200" dirty="0"/>
                 <a:t>Reconocimiento y agradecimiento a:</a:t>
               </a:r>
+              <a:endParaRPr lang="es-MX" sz="2200" dirty="0"/>
             </a:p>
           </p:txBody>
         </p:sp>
@@ -3094,6 +3052,7 @@
                 <a:rPr lang="es-MX" sz="3200" dirty="0"/>
                 <a:t>NORMA PATRICIA MOTA GARCÍA </a:t>
               </a:r>
+              <a:endParaRPr lang="es-MX" sz="3200" dirty="0"/>
             </a:p>
           </p:txBody>
         </p:sp>
@@ -3131,6 +3090,7 @@
                 <a:rPr lang="es-MX" sz="1600" dirty="0"/>
                 <a:t> 2021 como:</a:t>
               </a:r>
+              <a:endParaRPr lang="es-MX" sz="1600" dirty="0"/>
             </a:p>
           </p:txBody>
         </p:sp>
@@ -3142,7 +3102,7 @@
           </p:nvSpPr>
           <p:spPr>
             <a:xfrm>
-              <a:off x="530833" y="3228173"/>
+              <a:off x="530833" y="3325328"/>
               <a:ext cx="10553018" cy="769441"/>
             </a:xfrm>
             <a:prstGeom prst="rect">
@@ -3171,6 +3131,7 @@
                 <a:rPr lang="es-MX" sz="4400" dirty="0"/>
                 <a:t>ASISTENTE</a:t>
               </a:r>
+              <a:endParaRPr lang="es-MX" sz="4400" dirty="0"/>
             </a:p>
           </p:txBody>
         </p:sp>
@@ -3205,16 +3166,12 @@
                 <a:rPr lang="es-MX" dirty="0"/>
                 <a:t> se llevó a cabo en la Universidad Tecnológica de Torreón, Coahuila, México del 20 al 22 de octubre 2021</a:t>
               </a:r>
+              <a:endParaRPr lang="es-MX" dirty="0"/>
             </a:p>
           </p:txBody>
         </p:sp>
       </p:grpSp>
     </p:spTree>
-    <p:extLst>
-      <p:ext uri="{BB962C8B-B14F-4D97-AF65-F5344CB8AC3E}">
-        <p14:creationId xmlns:p14="http://schemas.microsoft.com/office/powerpoint/2010/main" val="1280120514"/>
-      </p:ext>
-    </p:extLst>
   </p:cSld>
   <p:clrMapOvr>
     <a:masterClrMapping/>
@@ -3283,6 +3240,11 @@
                 </a:rPr>
                 <a:t>OTORGAN EL PRESENTE</a:t>
               </a:r>
+              <a:endParaRPr lang="es-MX" sz="2000" b="1" dirty="0">
+                <a:latin typeface="Segoe UI Historic" panose="020B0502040204020203" pitchFamily="34" charset="0"/>
+                <a:ea typeface="Segoe UI Historic" panose="020B0502040204020203" pitchFamily="34" charset="0"/>
+                <a:cs typeface="Segoe UI Historic" panose="020B0502040204020203" pitchFamily="34" charset="0"/>
+              </a:endParaRPr>
             </a:p>
           </p:txBody>
         </p:sp>
@@ -3312,6 +3274,7 @@
                 <a:rPr lang="es-MX" sz="2200" dirty="0"/>
                 <a:t>Reconocimiento y agradecimiento a:</a:t>
               </a:r>
+              <a:endParaRPr lang="es-MX" sz="2200" dirty="0"/>
             </a:p>
           </p:txBody>
         </p:sp>
@@ -3358,6 +3321,7 @@
                 <a:rPr lang="es-MX" sz="1600" dirty="0"/>
                 <a:t>:</a:t>
               </a:r>
+              <a:endParaRPr lang="es-MX" sz="1600" dirty="0"/>
             </a:p>
           </p:txBody>
         </p:sp>
@@ -3392,19 +3356,14 @@
                 <a:rPr lang="es-MX" dirty="0"/>
                 <a:t> se llevó a cabo en la Universidad Tecnológica de Torreón, Coahuila, México del 20 al 22 de octubre 2021</a:t>
               </a:r>
+              <a:endParaRPr lang="es-MX" dirty="0"/>
             </a:p>
           </p:txBody>
         </p:sp>
       </p:grpSp>
       <p:sp>
         <p:nvSpPr>
-          <p:cNvPr id="11" name="CuadroTexto 10">
-            <a:extLst>
-              <a:ext uri="{FF2B5EF4-FFF2-40B4-BE49-F238E27FC236}">
-                <a16:creationId xmlns:a16="http://schemas.microsoft.com/office/drawing/2014/main" id="{444267E5-32A4-2848-97AD-578AFFFF604A}"/>
-              </a:ext>
-            </a:extLst>
-          </p:cNvPr>
+          <p:cNvPr id="11" name="CuadroTexto 10"/>
           <p:cNvSpPr txBox="1"/>
           <p:nvPr/>
         </p:nvSpPr>
@@ -3439,18 +3398,13 @@
               <a:rPr lang="es-MX" sz="2700" dirty="0"/>
               <a:t>Vannesa Maribel Morales Ibarra.</a:t>
             </a:r>
-          </a:p>
-        </p:txBody>
-      </p:sp>
-      <p:sp>
-        <p:nvSpPr>
-          <p:cNvPr id="12" name="CuadroTexto 11">
-            <a:extLst>
-              <a:ext uri="{FF2B5EF4-FFF2-40B4-BE49-F238E27FC236}">
-                <a16:creationId xmlns:a16="http://schemas.microsoft.com/office/drawing/2014/main" id="{E5F1B2BD-7B3C-9F49-A257-9C86D27AFE29}"/>
-              </a:ext>
-            </a:extLst>
-          </p:cNvPr>
+            <a:endParaRPr lang="es-MX" sz="2700" dirty="0"/>
+          </a:p>
+        </p:txBody>
+      </p:sp>
+      <p:sp>
+        <p:nvSpPr>
+          <p:cNvPr id="12" name="CuadroTexto 11"/>
           <p:cNvSpPr txBox="1"/>
           <p:nvPr/>
         </p:nvSpPr>
@@ -3479,15 +3433,15 @@
               </a:rPr>
               <a:t>Plataforma HUB Data Lake para procesos DataSecOps y DevSecOps Empresariales.</a:t>
             </a:r>
+            <a:endParaRPr lang="es-MX" sz="2700" b="1" dirty="0">
+              <a:solidFill>
+                <a:srgbClr val="7B0C00"/>
+              </a:solidFill>
+            </a:endParaRPr>
           </a:p>
         </p:txBody>
       </p:sp>
     </p:spTree>
-    <p:extLst>
-      <p:ext uri="{BB962C8B-B14F-4D97-AF65-F5344CB8AC3E}">
-        <p14:creationId xmlns:p14="http://schemas.microsoft.com/office/powerpoint/2010/main" val="319193187"/>
-      </p:ext>
-    </p:extLst>
   </p:cSld>
   <p:clrMapOvr>
     <a:masterClrMapping/>
@@ -3538,7 +3492,7 @@
     </a:clrScheme>
     <a:fontScheme name="Tema de Office">
       <a:majorFont>
-        <a:latin typeface="Calibri Light" panose="020F0302020204030204"/>
+        <a:latin typeface="Calibri Light"/>
         <a:ea typeface=""/>
         <a:cs typeface=""/>
         <a:font script="Jpan" typeface="游ゴシック Light"/>
@@ -3573,7 +3527,7 @@
         <a:font script="Geor" typeface="Sylfaen"/>
       </a:majorFont>
       <a:minorFont>
-        <a:latin typeface="Calibri" panose="020F0502020204030204"/>
+        <a:latin typeface="Calibri"/>
         <a:ea typeface=""/>
         <a:cs typeface=""/>
         <a:font script="Jpan" typeface="游ゴシック"/>
@@ -3746,8 +3700,6 @@
       </a:bgFillStyleLst>
     </a:fmtScheme>
   </a:themeElements>
-  <a:objectDefaults/>
-  <a:extraClrSchemeLst/>
   <a:extLst>
     <a:ext uri="{05A4C25C-085E-4340-85A3-A5531E510DB2}">
       <thm15:themeFamily xmlns:thm15="http://schemas.microsoft.com/office/thememl/2012/main" name="Office Theme" id="{62F939B6-93AF-4DB8-9C6B-D6C7DFDC589F}" vid="{4A3C46E8-61CC-4603-A589-7422A47A8E4A}"/>
